--- a/slides/320 - Alleluia! sing to Jesus!.pptx
+++ b/slides/320 - Alleluia! sing to Jesus!.pptx
@@ -237,7 +237,7 @@
               <a:pPr>
                 <a:defRPr/>
               </a:pPr>
-              <a:t>5/04/2014</a:t>
+              <a:t>25/08/2015</a:t>
             </a:fld>
             <a:endParaRPr lang="en-NZ"/>
           </a:p>
@@ -3808,22 +3808,26 @@
           </a:p>
           <a:p>
             <a:r>
-              <a:rPr lang="en-GB" dirty="0"/>
-              <a:t>	 alleluia! his the triumph,</a:t>
-            </a:r>
-            <a:endParaRPr lang="en-NZ" dirty="0"/>
-          </a:p>
-          <a:p>
-            <a:r>
-              <a:rPr lang="en-GB" dirty="0"/>
-              <a:t>	</a:t>
-            </a:r>
-            <a:r>
               <a:rPr lang="en-GB"/>
               <a:t>	</a:t>
             </a:r>
             <a:r>
               <a:rPr lang="en-GB" smtClean="0"/>
+              <a:t>alleluia</a:t>
+            </a:r>
+            <a:r>
+              <a:rPr lang="en-GB" dirty="0"/>
+              <a:t>! his the triumph,</a:t>
+            </a:r>
+            <a:endParaRPr lang="en-NZ" dirty="0"/>
+          </a:p>
+          <a:p>
+            <a:r>
+              <a:rPr lang="en-GB" dirty="0"/>
+              <a:t>		</a:t>
+            </a:r>
+            <a:r>
+              <a:rPr lang="en-GB" dirty="0" smtClean="0"/>
               <a:t>his </a:t>
             </a:r>
             <a:r>
